--- a/temp-project.pptx
+++ b/temp-project.pptx
@@ -155,7 +155,7 @@
               <a:rPr lang="en-US" sz="1800" b="0" i="0" baseline="0">
                 <a:effectLst/>
               </a:rPr>
-              <a:t>Temperature Trend Comparison, Detroit vs. Global</a:t>
+              <a:t>Detroit and Global Temperatures Based on a 10 Year Moving  Average</a:t>
             </a:r>
             <a:endParaRPr lang="en-US">
               <a:effectLst/>
@@ -167,7 +167,7 @@
         <c:manualLayout>
           <c:xMode val="edge"/>
           <c:yMode val="edge"/>
-          <c:x val="0.24371496489298319"/>
+          <c:x val="0.11461226332422821"/>
           <c:y val="1.4151386406073158E-2"/>
         </c:manualLayout>
       </c:layout>
@@ -215,7 +215,7 @@
               <c:strCache>
                 <c:ptCount val="1"/>
                 <c:pt idx="0">
-                  <c:v>detroit_moving_avg_t</c:v>
+                  <c:v>Detroit temperature</c:v>
                 </c:pt>
               </c:strCache>
             </c:strRef>
@@ -1837,7 +1837,7 @@
           <c:smooth val="0"/>
           <c:extLst>
             <c:ext xmlns:c16="http://schemas.microsoft.com/office/drawing/2014/chart" uri="{C3380CC4-5D6E-409C-BE32-E72D297353CC}">
-              <c16:uniqueId val="{00000000-8D69-4D49-AAEC-2EFAFCD825FD}"/>
+              <c16:uniqueId val="{00000000-ED81-4A83-A8DC-E2F28E632BE0}"/>
             </c:ext>
           </c:extLst>
         </c:ser>
@@ -1850,7 +1850,7 @@
               <c:strCache>
                 <c:ptCount val="1"/>
                 <c:pt idx="0">
-                  <c:v>global_moving_avg_t</c:v>
+                  <c:v>global temperaure</c:v>
                 </c:pt>
               </c:strCache>
             </c:strRef>
@@ -3472,7 +3472,7 @@
           <c:smooth val="0"/>
           <c:extLst>
             <c:ext xmlns:c16="http://schemas.microsoft.com/office/drawing/2014/chart" uri="{C3380CC4-5D6E-409C-BE32-E72D297353CC}">
-              <c16:uniqueId val="{00000001-8D69-4D49-AAEC-2EFAFCD825FD}"/>
+              <c16:uniqueId val="{00000001-ED81-4A83-A8DC-E2F28E632BE0}"/>
             </c:ext>
           </c:extLst>
         </c:ser>
@@ -3495,6 +3495,61 @@
         </c:scaling>
         <c:delete val="0"/>
         <c:axPos val="b"/>
+        <c:title>
+          <c:tx>
+            <c:rich>
+              <a:bodyPr rot="0" spcFirstLastPara="1" vertOverflow="ellipsis" vert="horz" wrap="square" anchor="ctr" anchorCtr="1"/>
+              <a:lstStyle/>
+              <a:p>
+                <a:pPr>
+                  <a:defRPr sz="1000" b="0" i="0" u="none" strike="noStrike" kern="1200" baseline="0">
+                    <a:solidFill>
+                      <a:schemeClr val="tx1">
+                        <a:lumMod val="65000"/>
+                        <a:lumOff val="35000"/>
+                      </a:schemeClr>
+                    </a:solidFill>
+                    <a:latin typeface="+mn-lt"/>
+                    <a:ea typeface="+mn-ea"/>
+                    <a:cs typeface="+mn-cs"/>
+                  </a:defRPr>
+                </a:pPr>
+                <a:r>
+                  <a:rPr lang="en-US"/>
+                  <a:t>Calendar Year</a:t>
+                </a:r>
+              </a:p>
+            </c:rich>
+          </c:tx>
+          <c:overlay val="0"/>
+          <c:spPr>
+            <a:noFill/>
+            <a:ln>
+              <a:noFill/>
+            </a:ln>
+            <a:effectLst/>
+          </c:spPr>
+          <c:txPr>
+            <a:bodyPr rot="0" spcFirstLastPara="1" vertOverflow="ellipsis" vert="horz" wrap="square" anchor="ctr" anchorCtr="1"/>
+            <a:lstStyle/>
+            <a:p>
+              <a:pPr>
+                <a:defRPr sz="1000" b="0" i="0" u="none" strike="noStrike" kern="1200" baseline="0">
+                  <a:solidFill>
+                    <a:schemeClr val="tx1">
+                      <a:lumMod val="65000"/>
+                      <a:lumOff val="35000"/>
+                    </a:schemeClr>
+                  </a:solidFill>
+                  <a:latin typeface="+mn-lt"/>
+                  <a:ea typeface="+mn-ea"/>
+                  <a:cs typeface="+mn-cs"/>
+                </a:defRPr>
+              </a:pPr>
+              <a:endParaRPr lang="en-US"/>
+            </a:p>
+          </c:txPr>
+        </c:title>
         <c:numFmt formatCode="General" sourceLinked="1"/>
         <c:majorTickMark val="none"/>
         <c:minorTickMark val="none"/>
@@ -3513,7 +3568,7 @@
           <a:effectLst/>
         </c:spPr>
         <c:txPr>
-          <a:bodyPr rot="-60000000" spcFirstLastPara="1" vertOverflow="ellipsis" vert="horz" wrap="square" anchor="ctr" anchorCtr="1"/>
+          <a:bodyPr rot="-2700000" spcFirstLastPara="1" vertOverflow="ellipsis" wrap="square" anchor="ctr" anchorCtr="1"/>
           <a:lstStyle/>
           <a:p>
             <a:pPr>
@@ -3537,6 +3592,7 @@
         <c:auto val="1"/>
         <c:lblAlgn val="ctr"/>
         <c:lblOffset val="100"/>
+        <c:tickMarkSkip val="10"/>
         <c:noMultiLvlLbl val="0"/>
       </c:catAx>
       <c:valAx>
@@ -3560,6 +3616,61 @@
             <a:effectLst/>
           </c:spPr>
         </c:majorGridlines>
+        <c:title>
+          <c:tx>
+            <c:rich>
+              <a:bodyPr rot="-5400000" spcFirstLastPara="1" vertOverflow="ellipsis" vert="horz" wrap="square" anchor="ctr" anchorCtr="1"/>
+              <a:lstStyle/>
+              <a:p>
+                <a:pPr>
+                  <a:defRPr sz="1000" b="0" i="0" u="none" strike="noStrike" kern="1200" baseline="0">
+                    <a:solidFill>
+                      <a:schemeClr val="tx1">
+                        <a:lumMod val="65000"/>
+                        <a:lumOff val="35000"/>
+                      </a:schemeClr>
+                    </a:solidFill>
+                    <a:latin typeface="+mn-lt"/>
+                    <a:ea typeface="+mn-ea"/>
+                    <a:cs typeface="+mn-cs"/>
+                  </a:defRPr>
+                </a:pPr>
+                <a:r>
+                  <a:rPr lang="en-US"/>
+                  <a:t>Moving Average Temperature (°C)</a:t>
+                </a:r>
+              </a:p>
+            </c:rich>
+          </c:tx>
+          <c:overlay val="0"/>
+          <c:spPr>
+            <a:noFill/>
+            <a:ln>
+              <a:noFill/>
+            </a:ln>
+            <a:effectLst/>
+          </c:spPr>
+          <c:txPr>
+            <a:bodyPr rot="-5400000" spcFirstLastPara="1" vertOverflow="ellipsis" vert="horz" wrap="square" anchor="ctr" anchorCtr="1"/>
+            <a:lstStyle/>
+            <a:p>
+              <a:pPr>
+                <a:defRPr sz="1000" b="0" i="0" u="none" strike="noStrike" kern="1200" baseline="0">
+                  <a:solidFill>
+                    <a:schemeClr val="tx1">
+                      <a:lumMod val="65000"/>
+                      <a:lumOff val="35000"/>
+                    </a:schemeClr>
+                  </a:solidFill>
+                  <a:latin typeface="+mn-lt"/>
+                  <a:ea typeface="+mn-ea"/>
+                  <a:cs typeface="+mn-cs"/>
+                </a:defRPr>
+              </a:pPr>
+              <a:endParaRPr lang="en-US"/>
+            </a:p>
+          </c:txPr>
+        </c:title>
         <c:numFmt formatCode="General" sourceLinked="1"/>
         <c:majorTickMark val="none"/>
         <c:minorTickMark val="none"/>
@@ -3593,7 +3704,7 @@
         </c:txPr>
         <c:crossAx val="2111407183"/>
         <c:crosses val="autoZero"/>
-        <c:crossBetween val="between"/>
+        <c:crossBetween val="midCat"/>
       </c:valAx>
       <c:spPr>
         <a:noFill/>
@@ -3604,12 +3715,14 @@
       </c:spPr>
     </c:plotArea>
     <c:legend>
-      <c:legendPos val="b"/>
+      <c:legendPos val="r"/>
       <c:overlay val="0"/>
       <c:spPr>
         <a:noFill/>
         <a:ln>
-          <a:noFill/>
+          <a:solidFill>
+            <a:schemeClr val="tx1"/>
+          </a:solidFill>
         </a:ln>
         <a:effectLst/>
       </c:spPr>
@@ -7957,7 +8070,7 @@
       </p:sp>
       <p:graphicFrame>
         <p:nvGraphicFramePr>
-          <p:cNvPr id="9" name="Content Placeholder 8">
+          <p:cNvPr id="12" name="Content Placeholder 11">
             <a:extLst>
               <a:ext uri="{FF2B5EF4-FFF2-40B4-BE49-F238E27FC236}">
                 <a16:creationId xmlns:a16="http://schemas.microsoft.com/office/drawing/2014/main" id="{B0A6C332-12BA-47D8-8E53-F05022EEE477}"/>
@@ -8073,12 +8186,22 @@
         </p:nvSpPr>
         <p:spPr/>
         <p:txBody>
-          <a:bodyPr/>
+          <a:bodyPr>
+            <a:normAutofit/>
+          </a:bodyPr>
           <a:lstStyle/>
           <a:p>
             <a:r>
               <a:rPr lang="en-US" dirty="0"/>
-              <a:t>A slow trend toward higher temperatures is apparent in both the Detroit and global data</a:t>
+              <a:t>A trend toward higher temperatures is apparent in both the Detroit and global data and the rise appears to accelerate in the 21</a:t>
+            </a:r>
+            <a:r>
+              <a:rPr lang="en-US" baseline="30000" dirty="0"/>
+              <a:t>st</a:t>
+            </a:r>
+            <a:r>
+              <a:rPr lang="en-US" dirty="0"/>
+              <a:t> century</a:t>
             </a:r>
           </a:p>
           <a:p>
